--- a/casestudy_btmFastfood.pptx
+++ b/casestudy_btmFastfood.pptx
@@ -157,6 +157,7 @@
           </a:p>
         </c:rich>
       </c:tx>
+      <c:layout/>
       <c:overlay val="0"/>
       <c:spPr>
         <a:noFill/>
@@ -1454,6 +1455,7 @@
     </c:plotArea>
     <c:legend>
       <c:legendPos val="r"/>
+      <c:layout/>
       <c:overlay val="0"/>
       <c:spPr>
         <a:noFill/>
@@ -2756,7 +2758,7 @@
           <a:p>
             <a:fld id="{AFBFE13F-0EE0-4D88-A60D-60EC317BD5E0}" type="datetimeFigureOut">
               <a:rPr lang="en-IN" smtClean="0"/>
-              <a:t>11-10-2022</a:t>
+              <a:t>14-11-2022</a:t>
             </a:fld>
             <a:endParaRPr lang="en-IN"/>
           </a:p>
@@ -2926,7 +2928,7 @@
           <a:p>
             <a:fld id="{AFBFE13F-0EE0-4D88-A60D-60EC317BD5E0}" type="datetimeFigureOut">
               <a:rPr lang="en-IN" smtClean="0"/>
-              <a:t>11-10-2022</a:t>
+              <a:t>14-11-2022</a:t>
             </a:fld>
             <a:endParaRPr lang="en-IN"/>
           </a:p>
@@ -3106,7 +3108,7 @@
           <a:p>
             <a:fld id="{AFBFE13F-0EE0-4D88-A60D-60EC317BD5E0}" type="datetimeFigureOut">
               <a:rPr lang="en-IN" smtClean="0"/>
-              <a:t>11-10-2022</a:t>
+              <a:t>14-11-2022</a:t>
             </a:fld>
             <a:endParaRPr lang="en-IN"/>
           </a:p>
@@ -3276,7 +3278,7 @@
           <a:p>
             <a:fld id="{AFBFE13F-0EE0-4D88-A60D-60EC317BD5E0}" type="datetimeFigureOut">
               <a:rPr lang="en-IN" smtClean="0"/>
-              <a:t>11-10-2022</a:t>
+              <a:t>14-11-2022</a:t>
             </a:fld>
             <a:endParaRPr lang="en-IN"/>
           </a:p>
@@ -3522,7 +3524,7 @@
           <a:p>
             <a:fld id="{AFBFE13F-0EE0-4D88-A60D-60EC317BD5E0}" type="datetimeFigureOut">
               <a:rPr lang="en-IN" smtClean="0"/>
-              <a:t>11-10-2022</a:t>
+              <a:t>14-11-2022</a:t>
             </a:fld>
             <a:endParaRPr lang="en-IN"/>
           </a:p>
@@ -3754,7 +3756,7 @@
           <a:p>
             <a:fld id="{AFBFE13F-0EE0-4D88-A60D-60EC317BD5E0}" type="datetimeFigureOut">
               <a:rPr lang="en-IN" smtClean="0"/>
-              <a:t>11-10-2022</a:t>
+              <a:t>14-11-2022</a:t>
             </a:fld>
             <a:endParaRPr lang="en-IN"/>
           </a:p>
@@ -4121,7 +4123,7 @@
           <a:p>
             <a:fld id="{AFBFE13F-0EE0-4D88-A60D-60EC317BD5E0}" type="datetimeFigureOut">
               <a:rPr lang="en-IN" smtClean="0"/>
-              <a:t>11-10-2022</a:t>
+              <a:t>14-11-2022</a:t>
             </a:fld>
             <a:endParaRPr lang="en-IN"/>
           </a:p>
@@ -4239,7 +4241,7 @@
           <a:p>
             <a:fld id="{AFBFE13F-0EE0-4D88-A60D-60EC317BD5E0}" type="datetimeFigureOut">
               <a:rPr lang="en-IN" smtClean="0"/>
-              <a:t>11-10-2022</a:t>
+              <a:t>14-11-2022</a:t>
             </a:fld>
             <a:endParaRPr lang="en-IN"/>
           </a:p>
@@ -4334,7 +4336,7 @@
           <a:p>
             <a:fld id="{AFBFE13F-0EE0-4D88-A60D-60EC317BD5E0}" type="datetimeFigureOut">
               <a:rPr lang="en-IN" smtClean="0"/>
-              <a:t>11-10-2022</a:t>
+              <a:t>14-11-2022</a:t>
             </a:fld>
             <a:endParaRPr lang="en-IN"/>
           </a:p>
@@ -4611,7 +4613,7 @@
           <a:p>
             <a:fld id="{AFBFE13F-0EE0-4D88-A60D-60EC317BD5E0}" type="datetimeFigureOut">
               <a:rPr lang="en-IN" smtClean="0"/>
-              <a:t>11-10-2022</a:t>
+              <a:t>14-11-2022</a:t>
             </a:fld>
             <a:endParaRPr lang="en-IN"/>
           </a:p>
@@ -4864,7 +4866,7 @@
           <a:p>
             <a:fld id="{AFBFE13F-0EE0-4D88-A60D-60EC317BD5E0}" type="datetimeFigureOut">
               <a:rPr lang="en-IN" smtClean="0"/>
-              <a:t>11-10-2022</a:t>
+              <a:t>14-11-2022</a:t>
             </a:fld>
             <a:endParaRPr lang="en-IN"/>
           </a:p>
@@ -5077,7 +5079,7 @@
           <a:p>
             <a:fld id="{AFBFE13F-0EE0-4D88-A60D-60EC317BD5E0}" type="datetimeFigureOut">
               <a:rPr lang="en-IN" smtClean="0"/>
-              <a:t>11-10-2022</a:t>
+              <a:t>14-11-2022</a:t>
             </a:fld>
             <a:endParaRPr lang="en-IN"/>
           </a:p>
@@ -5665,15 +5667,15 @@
         <p:spPr/>
         <p:txBody>
           <a:bodyPr>
-            <a:normAutofit/>
+            <a:noAutofit/>
           </a:bodyPr>
           <a:lstStyle/>
           <a:p>
             <a:r>
-              <a:rPr lang="en-IN" sz="2000" b="1" dirty="0" smtClean="0"/>
+              <a:rPr lang="en-IN" sz="2400" b="1" dirty="0" smtClean="0"/>
               <a:t>BUSINESS PROBLEM: A man took a shop for rent near BTM layout, Bangalore to sell fast food with a rent of Rs.14000 per month. He made a profit of Rs. One lakh in the first three months, after which the sales has gone down drastically and is thinking to close his shop. </a:t>
             </a:r>
-            <a:endParaRPr lang="en-IN" sz="2000" b="1" dirty="0"/>
+            <a:endParaRPr lang="en-IN" sz="2400" b="1" dirty="0"/>
           </a:p>
         </p:txBody>
       </p:sp>
@@ -5689,16 +5691,20 @@
         </p:nvSpPr>
         <p:spPr/>
         <p:txBody>
-          <a:bodyPr/>
+          <a:bodyPr>
+            <a:normAutofit/>
+          </a:bodyPr>
           <a:lstStyle/>
           <a:p>
             <a:r>
-              <a:rPr lang="en-IN" dirty="0" smtClean="0"/>
-              <a:t>Help him to find a solution to run his business back with profits. </a:t>
-            </a:r>
-          </a:p>
-          <a:p>
-            <a:endParaRPr lang="en-IN" dirty="0"/>
+              <a:rPr lang="en-IN" sz="2400" dirty="0" smtClean="0">
+                <a:latin typeface="+mj-lt"/>
+              </a:rPr>
+              <a:t>AGENDA : to find a solution to run his business back with profits. </a:t>
+            </a:r>
+          </a:p>
+          <a:p>
+            <a:endParaRPr lang="en-IN" sz="2400" dirty="0"/>
           </a:p>
         </p:txBody>
       </p:sp>
@@ -6082,8 +6088,8 @@
         </p:nvSpPr>
         <p:spPr>
           <a:xfrm>
-            <a:off x="415984" y="3514451"/>
-            <a:ext cx="3212418" cy="369332"/>
+            <a:off x="-491083" y="3514451"/>
+            <a:ext cx="5026569" cy="369332"/>
           </a:xfrm>
           <a:prstGeom prst="rect">
             <a:avLst/>
@@ -6110,7 +6116,7 @@
                   </a:outerShdw>
                 </a:effectLst>
               </a:rPr>
-              <a:t>             KEY POINT INDICATORS:</a:t>
+              <a:t>                               KEY PERFORMANCE INDICATORS:</a:t>
             </a:r>
             <a:r>
               <a:rPr lang="en-US" dirty="0">
@@ -7475,20 +7481,11 @@
           <a:lstStyle/>
           <a:p>
             <a:r>
-              <a:rPr lang="en-IN" b="1" dirty="0">
-                <a:solidFill>
-                  <a:srgbClr val="000000"/>
-                </a:solidFill>
-                <a:latin typeface="Calibri" panose="020F0502020204030204" pitchFamily="34" charset="0"/>
-              </a:rPr>
-              <a:t>SHOPNAME</a:t>
-            </a:r>
-            <a:r>
-              <a:rPr lang="en-IN" dirty="0"/>
-              <a:t> </a:t>
-            </a:r>
-            <a:r>
-              <a:rPr lang="en-IN" dirty="0" smtClean="0"/>
+              <a:rPr lang="en-IN" b="1" dirty="0" smtClean="0"/>
+              <a:t>NAME OF THE FOOD</a:t>
+            </a:r>
+            <a:r>
+              <a:rPr lang="en-IN" b="1" dirty="0" smtClean="0"/>
               <a:t>-     </a:t>
             </a:r>
             <a:r>
@@ -7534,7 +7531,16 @@
                 </a:solidFill>
                 <a:latin typeface="Calibri" panose="020F0502020204030204" pitchFamily="34" charset="0"/>
               </a:rPr>
-              <a:t>    PANER </a:t>
+              <a:t>    </a:t>
+            </a:r>
+            <a:r>
+              <a:rPr lang="en-IN" b="1" dirty="0" smtClean="0">
+                <a:solidFill>
+                  <a:srgbClr val="000000"/>
+                </a:solidFill>
+                <a:latin typeface="Calibri" panose="020F0502020204030204" pitchFamily="34" charset="0"/>
+              </a:rPr>
+              <a:t>   PANER </a:t>
             </a:r>
             <a:r>
               <a:rPr lang="en-IN" b="1" dirty="0">
@@ -7620,6 +7626,10 @@
               <a:t> </a:t>
             </a:r>
             <a:r>
+              <a:rPr lang="en-US" b="1" dirty="0" smtClean="0"/>
+              <a:t>                  </a:t>
+            </a:r>
+            <a:r>
               <a:rPr lang="en-US" b="1" dirty="0" smtClean="0">
                 <a:solidFill>
                   <a:srgbClr val="000000"/>
@@ -7671,7 +7681,6 @@
               <a:rPr lang="en-US" b="1" dirty="0" smtClean="0"/>
               <a:t>                              98</a:t>
             </a:r>
-            <a:endParaRPr lang="en-US" b="1" dirty="0" smtClean="0"/>
           </a:p>
           <a:p>
             <a:r>
@@ -7784,7 +7793,11 @@
           <a:p>
             <a:r>
               <a:rPr lang="en-IN" dirty="0" smtClean="0"/>
-              <a:t>End of case study --- Thankyou and best wishes. </a:t>
+              <a:t>                        End </a:t>
+            </a:r>
+            <a:r>
+              <a:rPr lang="en-IN" dirty="0" smtClean="0"/>
+              <a:t>of case study --- Thankyou and best wishes. </a:t>
             </a:r>
             <a:endParaRPr lang="en-IN" dirty="0"/>
           </a:p>
